--- a/capstone presentation.pptx
+++ b/capstone presentation.pptx
@@ -1045,10 +1045,18 @@
         <a:lstStyle/>
         <a:p>
           <a:r>
+            <a:rPr lang="en-CA" dirty="0"/>
+            <a:t>Source: Early Warning Project </a:t>
+          </a:r>
+          <a:r>
             <a:rPr lang="en-CA"/>
-            <a:t>Source: Early Warning Project – ushmma.org </a:t>
+            <a:t>– ushmm.</a:t>
           </a:r>
-          <a:endParaRPr lang="en-US"/>
+          <a:r>
+            <a:rPr lang="en-CA" dirty="0"/>
+            <a:t>org </a:t>
+          </a:r>
+          <a:endParaRPr lang="en-US" dirty="0"/>
         </a:p>
       </dgm:t>
     </dgm:pt>
@@ -1473,10 +1481,18 @@
             <a:buNone/>
           </a:pPr>
           <a:r>
+            <a:rPr lang="en-CA" sz="1900" kern="1200" dirty="0"/>
+            <a:t>Source: Early Warning Project </a:t>
+          </a:r>
+          <a:r>
             <a:rPr lang="en-CA" sz="1900" kern="1200"/>
-            <a:t>Source: Early Warning Project – ushmma.org </a:t>
+            <a:t>– ushmm.</a:t>
           </a:r>
-          <a:endParaRPr lang="en-US" sz="1900" kern="1200"/>
+          <a:r>
+            <a:rPr lang="en-CA" sz="1900" kern="1200" dirty="0"/>
+            <a:t>org </a:t>
+          </a:r>
+          <a:endParaRPr lang="en-US" sz="1900" kern="1200" dirty="0"/>
         </a:p>
       </dsp:txBody>
       <dsp:txXfrm>
@@ -2838,7 +2854,7 @@
           <a:p>
             <a:fld id="{7656D270-0567-4663-95CE-075AC9F307B2}" type="datetimeFigureOut">
               <a:rPr lang="en-CA" smtClean="0"/>
-              <a:t>2022-04-29</a:t>
+              <a:t>2023-06-20</a:t>
             </a:fld>
             <a:endParaRPr lang="en-CA"/>
           </a:p>
@@ -3038,7 +3054,7 @@
           <a:p>
             <a:fld id="{7656D270-0567-4663-95CE-075AC9F307B2}" type="datetimeFigureOut">
               <a:rPr lang="en-CA" smtClean="0"/>
-              <a:t>2022-04-29</a:t>
+              <a:t>2023-06-20</a:t>
             </a:fld>
             <a:endParaRPr lang="en-CA"/>
           </a:p>
@@ -3248,7 +3264,7 @@
           <a:p>
             <a:fld id="{7656D270-0567-4663-95CE-075AC9F307B2}" type="datetimeFigureOut">
               <a:rPr lang="en-CA" smtClean="0"/>
-              <a:t>2022-04-29</a:t>
+              <a:t>2023-06-20</a:t>
             </a:fld>
             <a:endParaRPr lang="en-CA"/>
           </a:p>
@@ -3448,7 +3464,7 @@
           <a:p>
             <a:fld id="{7656D270-0567-4663-95CE-075AC9F307B2}" type="datetimeFigureOut">
               <a:rPr lang="en-CA" smtClean="0"/>
-              <a:t>2022-04-29</a:t>
+              <a:t>2023-06-20</a:t>
             </a:fld>
             <a:endParaRPr lang="en-CA"/>
           </a:p>
@@ -3724,7 +3740,7 @@
           <a:p>
             <a:fld id="{7656D270-0567-4663-95CE-075AC9F307B2}" type="datetimeFigureOut">
               <a:rPr lang="en-CA" smtClean="0"/>
-              <a:t>2022-04-29</a:t>
+              <a:t>2023-06-20</a:t>
             </a:fld>
             <a:endParaRPr lang="en-CA"/>
           </a:p>
@@ -3992,7 +4008,7 @@
           <a:p>
             <a:fld id="{7656D270-0567-4663-95CE-075AC9F307B2}" type="datetimeFigureOut">
               <a:rPr lang="en-CA" smtClean="0"/>
-              <a:t>2022-04-29</a:t>
+              <a:t>2023-06-20</a:t>
             </a:fld>
             <a:endParaRPr lang="en-CA"/>
           </a:p>
@@ -4407,7 +4423,7 @@
           <a:p>
             <a:fld id="{7656D270-0567-4663-95CE-075AC9F307B2}" type="datetimeFigureOut">
               <a:rPr lang="en-CA" smtClean="0"/>
-              <a:t>2022-04-29</a:t>
+              <a:t>2023-06-20</a:t>
             </a:fld>
             <a:endParaRPr lang="en-CA"/>
           </a:p>
@@ -4549,7 +4565,7 @@
           <a:p>
             <a:fld id="{7656D270-0567-4663-95CE-075AC9F307B2}" type="datetimeFigureOut">
               <a:rPr lang="en-CA" smtClean="0"/>
-              <a:t>2022-04-29</a:t>
+              <a:t>2023-06-20</a:t>
             </a:fld>
             <a:endParaRPr lang="en-CA"/>
           </a:p>
@@ -4662,7 +4678,7 @@
           <a:p>
             <a:fld id="{7656D270-0567-4663-95CE-075AC9F307B2}" type="datetimeFigureOut">
               <a:rPr lang="en-CA" smtClean="0"/>
-              <a:t>2022-04-29</a:t>
+              <a:t>2023-06-20</a:t>
             </a:fld>
             <a:endParaRPr lang="en-CA"/>
           </a:p>
@@ -4975,7 +4991,7 @@
           <a:p>
             <a:fld id="{7656D270-0567-4663-95CE-075AC9F307B2}" type="datetimeFigureOut">
               <a:rPr lang="en-CA" smtClean="0"/>
-              <a:t>2022-04-29</a:t>
+              <a:t>2023-06-20</a:t>
             </a:fld>
             <a:endParaRPr lang="en-CA"/>
           </a:p>
@@ -5264,7 +5280,7 @@
           <a:p>
             <a:fld id="{7656D270-0567-4663-95CE-075AC9F307B2}" type="datetimeFigureOut">
               <a:rPr lang="en-CA" smtClean="0"/>
-              <a:t>2022-04-29</a:t>
+              <a:t>2023-06-20</a:t>
             </a:fld>
             <a:endParaRPr lang="en-CA"/>
           </a:p>
@@ -5507,7 +5523,7 @@
           <a:p>
             <a:fld id="{7656D270-0567-4663-95CE-075AC9F307B2}" type="datetimeFigureOut">
               <a:rPr lang="en-CA" smtClean="0"/>
-              <a:t>2022-04-29</a:t>
+              <a:t>2023-06-20</a:t>
             </a:fld>
             <a:endParaRPr lang="en-CA"/>
           </a:p>
@@ -6059,12 +6075,16 @@
             <a:pPr algn="l"/>
             <a:r>
               <a:rPr lang="en-CA" dirty="0"/>
-              <a:t>By, Sobiya Uddin</a:t>
+              <a:t>By, </a:t>
+            </a:r>
+            <a:r>
+              <a:rPr lang="en-CA"/>
+              <a:t>Sobiya Khan</a:t>
             </a:r>
             <a:br>
               <a:rPr lang="en-CA" dirty="0"/>
             </a:br>
-            <a:endParaRPr lang="en-CA"/>
+            <a:endParaRPr lang="en-CA" dirty="0"/>
           </a:p>
         </p:txBody>
       </p:sp>
@@ -9600,24 +9620,24 @@
         </p:nvSpPr>
         <p:spPr>
           <a:xfrm>
-            <a:off x="640080" y="2872899"/>
-            <a:ext cx="4249161" cy="3789530"/>
+            <a:off x="640080" y="2623570"/>
+            <a:ext cx="4753014" cy="4038859"/>
           </a:xfrm>
         </p:spPr>
         <p:txBody>
           <a:bodyPr>
-            <a:normAutofit fontScale="55000" lnSpcReduction="20000"/>
+            <a:normAutofit fontScale="25000" lnSpcReduction="20000"/>
           </a:bodyPr>
           <a:lstStyle/>
           <a:p>
             <a:endParaRPr lang="en-CA" sz="2000" dirty="0"/>
           </a:p>
           <a:p>
-            <a:endParaRPr lang="en-CA" sz="2600" dirty="0"/>
+            <a:endParaRPr lang="en-CA" sz="3500" dirty="0"/>
           </a:p>
           <a:p>
             <a:r>
-              <a:rPr lang="en-CA" sz="2600" dirty="0"/>
+              <a:rPr lang="en-CA" sz="6000" dirty="0"/>
               <a:t>Estimated number of international migrants </a:t>
             </a:r>
           </a:p>
@@ -9626,8 +9646,8 @@
               <a:buNone/>
             </a:pPr>
             <a:r>
-              <a:rPr lang="en-CA" sz="2600" dirty="0"/>
-              <a:t>	Year 2000 :  150 million </a:t>
+              <a:rPr lang="en-CA" sz="6000" dirty="0"/>
+              <a:t>	</a:t>
             </a:r>
           </a:p>
           <a:p>
@@ -9635,25 +9655,40 @@
               <a:buNone/>
             </a:pPr>
             <a:r>
-              <a:rPr lang="en-CA" sz="2600" dirty="0"/>
-              <a:t>	Year 2020 :  272 million</a:t>
+              <a:rPr lang="en-CA" sz="6000" dirty="0"/>
+              <a:t>	Year 2000 :  150 million </a:t>
             </a:r>
           </a:p>
           <a:p>
             <a:pPr marL="0" indent="0">
               <a:buNone/>
             </a:pPr>
-            <a:endParaRPr lang="en-CA" sz="2600" dirty="0"/>
+            <a:endParaRPr lang="en-CA" sz="6000" dirty="0"/>
           </a:p>
           <a:p>
             <a:pPr marL="0" indent="0">
               <a:buNone/>
             </a:pPr>
-            <a:endParaRPr lang="en-CA" sz="2600" dirty="0"/>
-          </a:p>
-          <a:p>
             <a:r>
-              <a:rPr lang="en-CA" sz="2600" dirty="0"/>
+              <a:rPr lang="en-CA" sz="6000" dirty="0"/>
+              <a:t>	Year 2020 :  272 million</a:t>
+            </a:r>
+          </a:p>
+          <a:p>
+            <a:pPr marL="0" indent="0">
+              <a:buNone/>
+            </a:pPr>
+            <a:endParaRPr lang="en-CA" sz="6000" dirty="0"/>
+          </a:p>
+          <a:p>
+            <a:pPr marL="0" indent="0">
+              <a:buNone/>
+            </a:pPr>
+            <a:endParaRPr lang="en-CA" sz="6000" dirty="0"/>
+          </a:p>
+          <a:p>
+            <a:r>
+              <a:rPr lang="en-CA" sz="6000" dirty="0"/>
               <a:t>Estimated proportion of world population who are migrants </a:t>
             </a:r>
           </a:p>
@@ -9662,8 +9697,8 @@
               <a:buNone/>
             </a:pPr>
             <a:r>
-              <a:rPr lang="en-CA" sz="2600" dirty="0"/>
-              <a:t>	Year 2000 : 2.8%</a:t>
+              <a:rPr lang="en-CA" sz="6000" dirty="0"/>
+              <a:t>	</a:t>
             </a:r>
           </a:p>
           <a:p>
@@ -9671,7 +9706,22 @@
               <a:buNone/>
             </a:pPr>
             <a:r>
-              <a:rPr lang="en-CA" sz="2600" dirty="0"/>
+              <a:rPr lang="en-CA" sz="6000" dirty="0"/>
+              <a:t>	Year 2000 : 2.8%</a:t>
+            </a:r>
+          </a:p>
+          <a:p>
+            <a:pPr marL="457200" lvl="1" indent="0">
+              <a:buNone/>
+            </a:pPr>
+            <a:endParaRPr lang="en-CA" sz="6000" dirty="0"/>
+          </a:p>
+          <a:p>
+            <a:pPr marL="457200" lvl="1" indent="0">
+              <a:buNone/>
+            </a:pPr>
+            <a:r>
+              <a:rPr lang="en-CA" sz="6000" dirty="0"/>
               <a:t>	Year  2020 : 3.5%</a:t>
             </a:r>
           </a:p>
@@ -12200,7 +12250,7 @@
             <p:ph idx="1"/>
             <p:extLst>
               <p:ext uri="{D42A27DB-BD31-4B8C-83A1-F6EECF244321}">
-                <p14:modId xmlns:p14="http://schemas.microsoft.com/office/powerpoint/2010/main" val="61982030"/>
+                <p14:modId xmlns:p14="http://schemas.microsoft.com/office/powerpoint/2010/main" val="3944655656"/>
               </p:ext>
             </p:extLst>
           </p:nvPr>

--- a/capstone presentation.pptx
+++ b/capstone presentation.pptx
@@ -15,7 +15,6 @@
     <p:sldId id="260" r:id="rId9"/>
     <p:sldId id="261" r:id="rId10"/>
     <p:sldId id="262" r:id="rId11"/>
-    <p:sldId id="263" r:id="rId12"/>
   </p:sldIdLst>
   <p:sldSz cx="12192000" cy="6858000"/>
   <p:notesSz cx="6858000" cy="9144000"/>
@@ -2854,7 +2853,7 @@
           <a:p>
             <a:fld id="{7656D270-0567-4663-95CE-075AC9F307B2}" type="datetimeFigureOut">
               <a:rPr lang="en-CA" smtClean="0"/>
-              <a:t>2023-06-20</a:t>
+              <a:t>2024-10-30</a:t>
             </a:fld>
             <a:endParaRPr lang="en-CA"/>
           </a:p>
@@ -3054,7 +3053,7 @@
           <a:p>
             <a:fld id="{7656D270-0567-4663-95CE-075AC9F307B2}" type="datetimeFigureOut">
               <a:rPr lang="en-CA" smtClean="0"/>
-              <a:t>2023-06-20</a:t>
+              <a:t>2024-10-30</a:t>
             </a:fld>
             <a:endParaRPr lang="en-CA"/>
           </a:p>
@@ -3264,7 +3263,7 @@
           <a:p>
             <a:fld id="{7656D270-0567-4663-95CE-075AC9F307B2}" type="datetimeFigureOut">
               <a:rPr lang="en-CA" smtClean="0"/>
-              <a:t>2023-06-20</a:t>
+              <a:t>2024-10-30</a:t>
             </a:fld>
             <a:endParaRPr lang="en-CA"/>
           </a:p>
@@ -3464,7 +3463,7 @@
           <a:p>
             <a:fld id="{7656D270-0567-4663-95CE-075AC9F307B2}" type="datetimeFigureOut">
               <a:rPr lang="en-CA" smtClean="0"/>
-              <a:t>2023-06-20</a:t>
+              <a:t>2024-10-30</a:t>
             </a:fld>
             <a:endParaRPr lang="en-CA"/>
           </a:p>
@@ -3740,7 +3739,7 @@
           <a:p>
             <a:fld id="{7656D270-0567-4663-95CE-075AC9F307B2}" type="datetimeFigureOut">
               <a:rPr lang="en-CA" smtClean="0"/>
-              <a:t>2023-06-20</a:t>
+              <a:t>2024-10-30</a:t>
             </a:fld>
             <a:endParaRPr lang="en-CA"/>
           </a:p>
@@ -4008,7 +4007,7 @@
           <a:p>
             <a:fld id="{7656D270-0567-4663-95CE-075AC9F307B2}" type="datetimeFigureOut">
               <a:rPr lang="en-CA" smtClean="0"/>
-              <a:t>2023-06-20</a:t>
+              <a:t>2024-10-30</a:t>
             </a:fld>
             <a:endParaRPr lang="en-CA"/>
           </a:p>
@@ -4423,7 +4422,7 @@
           <a:p>
             <a:fld id="{7656D270-0567-4663-95CE-075AC9F307B2}" type="datetimeFigureOut">
               <a:rPr lang="en-CA" smtClean="0"/>
-              <a:t>2023-06-20</a:t>
+              <a:t>2024-10-30</a:t>
             </a:fld>
             <a:endParaRPr lang="en-CA"/>
           </a:p>
@@ -4565,7 +4564,7 @@
           <a:p>
             <a:fld id="{7656D270-0567-4663-95CE-075AC9F307B2}" type="datetimeFigureOut">
               <a:rPr lang="en-CA" smtClean="0"/>
-              <a:t>2023-06-20</a:t>
+              <a:t>2024-10-30</a:t>
             </a:fld>
             <a:endParaRPr lang="en-CA"/>
           </a:p>
@@ -4678,7 +4677,7 @@
           <a:p>
             <a:fld id="{7656D270-0567-4663-95CE-075AC9F307B2}" type="datetimeFigureOut">
               <a:rPr lang="en-CA" smtClean="0"/>
-              <a:t>2023-06-20</a:t>
+              <a:t>2024-10-30</a:t>
             </a:fld>
             <a:endParaRPr lang="en-CA"/>
           </a:p>
@@ -4991,7 +4990,7 @@
           <a:p>
             <a:fld id="{7656D270-0567-4663-95CE-075AC9F307B2}" type="datetimeFigureOut">
               <a:rPr lang="en-CA" smtClean="0"/>
-              <a:t>2023-06-20</a:t>
+              <a:t>2024-10-30</a:t>
             </a:fld>
             <a:endParaRPr lang="en-CA"/>
           </a:p>
@@ -5280,7 +5279,7 @@
           <a:p>
             <a:fld id="{7656D270-0567-4663-95CE-075AC9F307B2}" type="datetimeFigureOut">
               <a:rPr lang="en-CA" smtClean="0"/>
-              <a:t>2023-06-20</a:t>
+              <a:t>2024-10-30</a:t>
             </a:fld>
             <a:endParaRPr lang="en-CA"/>
           </a:p>
@@ -5523,7 +5522,7 @@
           <a:p>
             <a:fld id="{7656D270-0567-4663-95CE-075AC9F307B2}" type="datetimeFigureOut">
               <a:rPr lang="en-CA" smtClean="0"/>
-              <a:t>2023-06-20</a:t>
+              <a:t>2024-10-30</a:t>
             </a:fld>
             <a:endParaRPr lang="en-CA"/>
           </a:p>
@@ -7227,86 +7226,6 @@
 </p:sld>
 </file>
 
-<file path=ppt/slides/slide11.xml><?xml version="1.0" encoding="utf-8"?>
-<p:sld xmlns:a="http://schemas.openxmlformats.org/drawingml/2006/main" xmlns:r="http://schemas.openxmlformats.org/officeDocument/2006/relationships" xmlns:p="http://schemas.openxmlformats.org/presentationml/2006/main">
-  <p:cSld>
-    <p:spTree>
-      <p:nvGrpSpPr>
-        <p:cNvPr id="1" name=""/>
-        <p:cNvGrpSpPr/>
-        <p:nvPr/>
-      </p:nvGrpSpPr>
-      <p:grpSpPr>
-        <a:xfrm>
-          <a:off x="0" y="0"/>
-          <a:ext cx="0" cy="0"/>
-          <a:chOff x="0" y="0"/>
-          <a:chExt cx="0" cy="0"/>
-        </a:xfrm>
-      </p:grpSpPr>
-      <p:sp>
-        <p:nvSpPr>
-          <p:cNvPr id="2" name="Title 1">
-            <a:extLst>
-              <a:ext uri="{FF2B5EF4-FFF2-40B4-BE49-F238E27FC236}">
-                <a16:creationId xmlns:a16="http://schemas.microsoft.com/office/drawing/2014/main" id="{EFDDA4AF-AA46-4265-A80D-EF21AB8FB5C1}"/>
-              </a:ext>
-            </a:extLst>
-          </p:cNvPr>
-          <p:cNvSpPr>
-            <a:spLocks noGrp="1"/>
-          </p:cNvSpPr>
-          <p:nvPr>
-            <p:ph type="title"/>
-          </p:nvPr>
-        </p:nvSpPr>
-        <p:spPr/>
-        <p:txBody>
-          <a:bodyPr/>
-          <a:lstStyle/>
-          <a:p>
-            <a:endParaRPr lang="en-CA" dirty="0"/>
-          </a:p>
-        </p:txBody>
-      </p:sp>
-      <p:sp>
-        <p:nvSpPr>
-          <p:cNvPr id="3" name="Content Placeholder 2">
-            <a:extLst>
-              <a:ext uri="{FF2B5EF4-FFF2-40B4-BE49-F238E27FC236}">
-                <a16:creationId xmlns:a16="http://schemas.microsoft.com/office/drawing/2014/main" id="{F1CF73BC-5430-42AA-96A9-89174D345AC7}"/>
-              </a:ext>
-            </a:extLst>
-          </p:cNvPr>
-          <p:cNvSpPr>
-            <a:spLocks noGrp="1"/>
-          </p:cNvSpPr>
-          <p:nvPr>
-            <p:ph idx="1"/>
-          </p:nvPr>
-        </p:nvSpPr>
-        <p:spPr/>
-        <p:txBody>
-          <a:bodyPr/>
-          <a:lstStyle/>
-          <a:p>
-            <a:endParaRPr lang="en-CA"/>
-          </a:p>
-        </p:txBody>
-      </p:sp>
-    </p:spTree>
-    <p:extLst>
-      <p:ext uri="{BB962C8B-B14F-4D97-AF65-F5344CB8AC3E}">
-        <p14:creationId xmlns:p14="http://schemas.microsoft.com/office/powerpoint/2010/main" val="3266179405"/>
-      </p:ext>
-    </p:extLst>
-  </p:cSld>
-  <p:clrMapOvr>
-    <a:masterClrMapping/>
-  </p:clrMapOvr>
-</p:sld>
-</file>
-
 <file path=ppt/slides/slide2.xml><?xml version="1.0" encoding="utf-8"?>
 <p:sld xmlns:a="http://schemas.openxmlformats.org/drawingml/2006/main" xmlns:r="http://schemas.openxmlformats.org/officeDocument/2006/relationships" xmlns:p="http://schemas.openxmlformats.org/presentationml/2006/main">
   <p:cSld>
@@ -8457,9 +8376,10 @@
               <a:buNone/>
             </a:pPr>
             <a:r>
-              <a:rPr lang="en-CA" sz="2200" dirty="0"/>
-              <a:t>Being an immigrant myself and having seen the trouble my family faced to migrate from my homeland for better life, I wanted to take this opportunity to do some research and find which countries most of the migrants are coming from and which countries they are going to. I decided to narrow down top 10 countries of origin and destination and bottom 10 countries of origin and destination. </a:t>
+              <a:rPr lang="en-US" sz="2000" dirty="0"/>
+              <a:t>Having personally experienced the challenges of relocating for a better life, I felt inspired to explore migration patterns, not just to see where most migrants are coming from and where they’re headed, but also to understand why people make the difficult decision to leave their homeland. Is it often for the same reasons my family did, or are there other motivations that drive such a major life change? To gain insight, I focused on the top 10 countries of origin and destination, as well as the bottom 10, to capture a broad view of global migration trends.</a:t>
             </a:r>
+            <a:endParaRPr lang="en-CA" sz="2000" dirty="0"/>
           </a:p>
         </p:txBody>
       </p:sp>

--- a/capstone presentation.pptx
+++ b/capstone presentation.pptx
@@ -2853,7 +2853,7 @@
           <a:p>
             <a:fld id="{7656D270-0567-4663-95CE-075AC9F307B2}" type="datetimeFigureOut">
               <a:rPr lang="en-CA" smtClean="0"/>
-              <a:t>2024-10-30</a:t>
+              <a:t>2025-07-10</a:t>
             </a:fld>
             <a:endParaRPr lang="en-CA"/>
           </a:p>
@@ -3053,7 +3053,7 @@
           <a:p>
             <a:fld id="{7656D270-0567-4663-95CE-075AC9F307B2}" type="datetimeFigureOut">
               <a:rPr lang="en-CA" smtClean="0"/>
-              <a:t>2024-10-30</a:t>
+              <a:t>2025-07-10</a:t>
             </a:fld>
             <a:endParaRPr lang="en-CA"/>
           </a:p>
@@ -3263,7 +3263,7 @@
           <a:p>
             <a:fld id="{7656D270-0567-4663-95CE-075AC9F307B2}" type="datetimeFigureOut">
               <a:rPr lang="en-CA" smtClean="0"/>
-              <a:t>2024-10-30</a:t>
+              <a:t>2025-07-10</a:t>
             </a:fld>
             <a:endParaRPr lang="en-CA"/>
           </a:p>
@@ -3463,7 +3463,7 @@
           <a:p>
             <a:fld id="{7656D270-0567-4663-95CE-075AC9F307B2}" type="datetimeFigureOut">
               <a:rPr lang="en-CA" smtClean="0"/>
-              <a:t>2024-10-30</a:t>
+              <a:t>2025-07-10</a:t>
             </a:fld>
             <a:endParaRPr lang="en-CA"/>
           </a:p>
@@ -3739,7 +3739,7 @@
           <a:p>
             <a:fld id="{7656D270-0567-4663-95CE-075AC9F307B2}" type="datetimeFigureOut">
               <a:rPr lang="en-CA" smtClean="0"/>
-              <a:t>2024-10-30</a:t>
+              <a:t>2025-07-10</a:t>
             </a:fld>
             <a:endParaRPr lang="en-CA"/>
           </a:p>
@@ -4007,7 +4007,7 @@
           <a:p>
             <a:fld id="{7656D270-0567-4663-95CE-075AC9F307B2}" type="datetimeFigureOut">
               <a:rPr lang="en-CA" smtClean="0"/>
-              <a:t>2024-10-30</a:t>
+              <a:t>2025-07-10</a:t>
             </a:fld>
             <a:endParaRPr lang="en-CA"/>
           </a:p>
@@ -4422,7 +4422,7 @@
           <a:p>
             <a:fld id="{7656D270-0567-4663-95CE-075AC9F307B2}" type="datetimeFigureOut">
               <a:rPr lang="en-CA" smtClean="0"/>
-              <a:t>2024-10-30</a:t>
+              <a:t>2025-07-10</a:t>
             </a:fld>
             <a:endParaRPr lang="en-CA"/>
           </a:p>
@@ -4564,7 +4564,7 @@
           <a:p>
             <a:fld id="{7656D270-0567-4663-95CE-075AC9F307B2}" type="datetimeFigureOut">
               <a:rPr lang="en-CA" smtClean="0"/>
-              <a:t>2024-10-30</a:t>
+              <a:t>2025-07-10</a:t>
             </a:fld>
             <a:endParaRPr lang="en-CA"/>
           </a:p>
@@ -4677,7 +4677,7 @@
           <a:p>
             <a:fld id="{7656D270-0567-4663-95CE-075AC9F307B2}" type="datetimeFigureOut">
               <a:rPr lang="en-CA" smtClean="0"/>
-              <a:t>2024-10-30</a:t>
+              <a:t>2025-07-10</a:t>
             </a:fld>
             <a:endParaRPr lang="en-CA"/>
           </a:p>
@@ -4990,7 +4990,7 @@
           <a:p>
             <a:fld id="{7656D270-0567-4663-95CE-075AC9F307B2}" type="datetimeFigureOut">
               <a:rPr lang="en-CA" smtClean="0"/>
-              <a:t>2024-10-30</a:t>
+              <a:t>2025-07-10</a:t>
             </a:fld>
             <a:endParaRPr lang="en-CA"/>
           </a:p>
@@ -5279,7 +5279,7 @@
           <a:p>
             <a:fld id="{7656D270-0567-4663-95CE-075AC9F307B2}" type="datetimeFigureOut">
               <a:rPr lang="en-CA" smtClean="0"/>
-              <a:t>2024-10-30</a:t>
+              <a:t>2025-07-10</a:t>
             </a:fld>
             <a:endParaRPr lang="en-CA"/>
           </a:p>
@@ -5522,7 +5522,7 @@
           <a:p>
             <a:fld id="{7656D270-0567-4663-95CE-075AC9F307B2}" type="datetimeFigureOut">
               <a:rPr lang="en-CA" smtClean="0"/>
-              <a:t>2024-10-30</a:t>
+              <a:t>2025-07-10</a:t>
             </a:fld>
             <a:endParaRPr lang="en-CA"/>
           </a:p>
@@ -7991,13 +7991,13 @@
           <a:lstStyle/>
           <a:p>
             <a:r>
-              <a:rPr lang="en-CA" sz="5400"/>
-              <a:t>Why did I choose this topic?</a:t>
+              <a:rPr lang="en-CA" sz="5400" dirty="0"/>
+              <a:t>Motivation</a:t>
             </a:r>
             <a:br>
-              <a:rPr lang="en-CA" sz="5400"/>
+              <a:rPr lang="en-CA" sz="5400" dirty="0"/>
             </a:br>
-            <a:endParaRPr lang="en-CA" sz="5400"/>
+            <a:endParaRPr lang="en-CA" sz="5400" dirty="0"/>
           </a:p>
         </p:txBody>
       </p:sp>
